--- a/ppt 16-9/1153.啊！家乡.pptx
+++ b/ppt 16-9/1153.啊！家乡.pptx
@@ -129,7 +129,7 @@
           <p:cNvPr id="2" name="标题 1">
             <a:extLst>
               <a:ext uri="{FF2B5EF4-FFF2-40B4-BE49-F238E27FC236}">
-                <a16:creationId xmlns:a16="http://schemas.microsoft.com/office/drawing/2014/main" id="{5BD5AFB9-8703-23DC-007D-48F79B087AB8}"/>
+                <a16:creationId xmlns:a16="http://schemas.microsoft.com/office/drawing/2014/main" id="{2EBCA425-8AEC-D731-6A06-86E23DEAB132}"/>
               </a:ext>
             </a:extLst>
           </p:cNvPr>
@@ -166,7 +166,7 @@
           <p:cNvPr id="3" name="副标题 2">
             <a:extLst>
               <a:ext uri="{FF2B5EF4-FFF2-40B4-BE49-F238E27FC236}">
-                <a16:creationId xmlns:a16="http://schemas.microsoft.com/office/drawing/2014/main" id="{1F95C0CD-7150-DB67-3F88-1FA0E6280065}"/>
+                <a16:creationId xmlns:a16="http://schemas.microsoft.com/office/drawing/2014/main" id="{592A13B9-7B8A-7C83-45B6-905B3EF57ADC}"/>
               </a:ext>
             </a:extLst>
           </p:cNvPr>
@@ -236,7 +236,7 @@
           <p:cNvPr id="4" name="日期占位符 3">
             <a:extLst>
               <a:ext uri="{FF2B5EF4-FFF2-40B4-BE49-F238E27FC236}">
-                <a16:creationId xmlns:a16="http://schemas.microsoft.com/office/drawing/2014/main" id="{C6DE4079-C92F-8810-9C97-2E6F582FC78C}"/>
+                <a16:creationId xmlns:a16="http://schemas.microsoft.com/office/drawing/2014/main" id="{5B2DDCC1-202F-6833-0EF4-68B1DA820423}"/>
               </a:ext>
             </a:extLst>
           </p:cNvPr>
@@ -252,7 +252,7 @@
           <a:bodyPr/>
           <a:lstStyle/>
           <a:p>
-            <a:fld id="{94324A0C-B16C-4EE5-AC11-9A1E28C278A9}" type="datetimeFigureOut">
+            <a:fld id="{D5591F83-9369-441C-BEC8-8C116C13A5F0}" type="datetimeFigureOut">
               <a:rPr lang="zh-CN" altLang="en-US" smtClean="0"/>
               <a:t>2024/3/10</a:t>
             </a:fld>
@@ -265,7 +265,7 @@
           <p:cNvPr id="5" name="页脚占位符 4">
             <a:extLst>
               <a:ext uri="{FF2B5EF4-FFF2-40B4-BE49-F238E27FC236}">
-                <a16:creationId xmlns:a16="http://schemas.microsoft.com/office/drawing/2014/main" id="{1508EBB9-2D54-B009-4AE3-12B1C2C0A233}"/>
+                <a16:creationId xmlns:a16="http://schemas.microsoft.com/office/drawing/2014/main" id="{A2502950-E272-32A1-4DBB-7F1F8C70DFDB}"/>
               </a:ext>
             </a:extLst>
           </p:cNvPr>
@@ -290,7 +290,7 @@
           <p:cNvPr id="6" name="灯片编号占位符 5">
             <a:extLst>
               <a:ext uri="{FF2B5EF4-FFF2-40B4-BE49-F238E27FC236}">
-                <a16:creationId xmlns:a16="http://schemas.microsoft.com/office/drawing/2014/main" id="{75011241-93DD-F860-BCF3-295002B2CF6F}"/>
+                <a16:creationId xmlns:a16="http://schemas.microsoft.com/office/drawing/2014/main" id="{52CDC087-3BF1-BE32-CD10-E6F2F4DA69D1}"/>
               </a:ext>
             </a:extLst>
           </p:cNvPr>
@@ -306,7 +306,7 @@
           <a:bodyPr/>
           <a:lstStyle/>
           <a:p>
-            <a:fld id="{A28A8841-72B2-461E-89B5-8A39AC170400}" type="slidenum">
+            <a:fld id="{B7B3845D-7723-4665-A7A7-9E58665151A9}" type="slidenum">
               <a:rPr lang="zh-CN" altLang="en-US" smtClean="0"/>
               <a:t>‹#›</a:t>
             </a:fld>
@@ -317,7 +317,7 @@
     </p:spTree>
     <p:extLst>
       <p:ext uri="{BB962C8B-B14F-4D97-AF65-F5344CB8AC3E}">
-        <p14:creationId xmlns:p14="http://schemas.microsoft.com/office/powerpoint/2010/main" val="2568680097"/>
+        <p14:creationId xmlns:p14="http://schemas.microsoft.com/office/powerpoint/2010/main" val="3349836963"/>
       </p:ext>
     </p:extLst>
   </p:cSld>
@@ -349,7 +349,7 @@
           <p:cNvPr id="2" name="标题 1">
             <a:extLst>
               <a:ext uri="{FF2B5EF4-FFF2-40B4-BE49-F238E27FC236}">
-                <a16:creationId xmlns:a16="http://schemas.microsoft.com/office/drawing/2014/main" id="{78C546AB-C776-DE0D-CC1A-EA7BFB0ECD0E}"/>
+                <a16:creationId xmlns:a16="http://schemas.microsoft.com/office/drawing/2014/main" id="{4707EC2B-D2FD-591F-537D-E4F993189996}"/>
               </a:ext>
             </a:extLst>
           </p:cNvPr>
@@ -377,7 +377,7 @@
           <p:cNvPr id="3" name="竖排文字占位符 2">
             <a:extLst>
               <a:ext uri="{FF2B5EF4-FFF2-40B4-BE49-F238E27FC236}">
-                <a16:creationId xmlns:a16="http://schemas.microsoft.com/office/drawing/2014/main" id="{A9534760-A794-D78B-6655-CEA6D7F6EF3B}"/>
+                <a16:creationId xmlns:a16="http://schemas.microsoft.com/office/drawing/2014/main" id="{2C6A0C76-7FA8-D4EC-1756-D0193B16457F}"/>
               </a:ext>
             </a:extLst>
           </p:cNvPr>
@@ -434,7 +434,7 @@
           <p:cNvPr id="4" name="日期占位符 3">
             <a:extLst>
               <a:ext uri="{FF2B5EF4-FFF2-40B4-BE49-F238E27FC236}">
-                <a16:creationId xmlns:a16="http://schemas.microsoft.com/office/drawing/2014/main" id="{9A4E5BD9-356B-EE58-A79B-B12E64BE9190}"/>
+                <a16:creationId xmlns:a16="http://schemas.microsoft.com/office/drawing/2014/main" id="{486F4D68-2FF6-D45F-5138-C217ECE4FC86}"/>
               </a:ext>
             </a:extLst>
           </p:cNvPr>
@@ -450,7 +450,7 @@
           <a:bodyPr/>
           <a:lstStyle/>
           <a:p>
-            <a:fld id="{94324A0C-B16C-4EE5-AC11-9A1E28C278A9}" type="datetimeFigureOut">
+            <a:fld id="{D5591F83-9369-441C-BEC8-8C116C13A5F0}" type="datetimeFigureOut">
               <a:rPr lang="zh-CN" altLang="en-US" smtClean="0"/>
               <a:t>2024/3/10</a:t>
             </a:fld>
@@ -463,7 +463,7 @@
           <p:cNvPr id="5" name="页脚占位符 4">
             <a:extLst>
               <a:ext uri="{FF2B5EF4-FFF2-40B4-BE49-F238E27FC236}">
-                <a16:creationId xmlns:a16="http://schemas.microsoft.com/office/drawing/2014/main" id="{1074729A-4C57-5FE6-C460-F9CF88F9DFC8}"/>
+                <a16:creationId xmlns:a16="http://schemas.microsoft.com/office/drawing/2014/main" id="{7F0B49C0-D0FC-FE9B-5E8B-B8413E6A76CB}"/>
               </a:ext>
             </a:extLst>
           </p:cNvPr>
@@ -488,7 +488,7 @@
           <p:cNvPr id="6" name="灯片编号占位符 5">
             <a:extLst>
               <a:ext uri="{FF2B5EF4-FFF2-40B4-BE49-F238E27FC236}">
-                <a16:creationId xmlns:a16="http://schemas.microsoft.com/office/drawing/2014/main" id="{2E4066A5-7297-508D-C35A-D16E76F20586}"/>
+                <a16:creationId xmlns:a16="http://schemas.microsoft.com/office/drawing/2014/main" id="{777B1979-4FDB-F06D-4348-6B1EC6D9D009}"/>
               </a:ext>
             </a:extLst>
           </p:cNvPr>
@@ -504,7 +504,7 @@
           <a:bodyPr/>
           <a:lstStyle/>
           <a:p>
-            <a:fld id="{A28A8841-72B2-461E-89B5-8A39AC170400}" type="slidenum">
+            <a:fld id="{B7B3845D-7723-4665-A7A7-9E58665151A9}" type="slidenum">
               <a:rPr lang="zh-CN" altLang="en-US" smtClean="0"/>
               <a:t>‹#›</a:t>
             </a:fld>
@@ -515,7 +515,7 @@
     </p:spTree>
     <p:extLst>
       <p:ext uri="{BB962C8B-B14F-4D97-AF65-F5344CB8AC3E}">
-        <p14:creationId xmlns:p14="http://schemas.microsoft.com/office/powerpoint/2010/main" val="3478718730"/>
+        <p14:creationId xmlns:p14="http://schemas.microsoft.com/office/powerpoint/2010/main" val="3074318947"/>
       </p:ext>
     </p:extLst>
   </p:cSld>
@@ -547,7 +547,7 @@
           <p:cNvPr id="2" name="竖排标题 1">
             <a:extLst>
               <a:ext uri="{FF2B5EF4-FFF2-40B4-BE49-F238E27FC236}">
-                <a16:creationId xmlns:a16="http://schemas.microsoft.com/office/drawing/2014/main" id="{1F59FF91-BF19-0B85-7D27-6155133A4A10}"/>
+                <a16:creationId xmlns:a16="http://schemas.microsoft.com/office/drawing/2014/main" id="{8E2FE6A4-9BFE-F6BE-5477-94D12C611C1A}"/>
               </a:ext>
             </a:extLst>
           </p:cNvPr>
@@ -580,7 +580,7 @@
           <p:cNvPr id="3" name="竖排文字占位符 2">
             <a:extLst>
               <a:ext uri="{FF2B5EF4-FFF2-40B4-BE49-F238E27FC236}">
-                <a16:creationId xmlns:a16="http://schemas.microsoft.com/office/drawing/2014/main" id="{62A27C43-1DFF-FDBC-7BAD-4D0C22CF1B34}"/>
+                <a16:creationId xmlns:a16="http://schemas.microsoft.com/office/drawing/2014/main" id="{79FC92D1-BD16-A0B9-EAC0-1CAA084F2EB2}"/>
               </a:ext>
             </a:extLst>
           </p:cNvPr>
@@ -642,7 +642,7 @@
           <p:cNvPr id="4" name="日期占位符 3">
             <a:extLst>
               <a:ext uri="{FF2B5EF4-FFF2-40B4-BE49-F238E27FC236}">
-                <a16:creationId xmlns:a16="http://schemas.microsoft.com/office/drawing/2014/main" id="{6B67F70E-5F09-EDED-4A5F-45C2999D84CC}"/>
+                <a16:creationId xmlns:a16="http://schemas.microsoft.com/office/drawing/2014/main" id="{2CDFFBF9-68EE-6901-4EE4-D757EC51A7B4}"/>
               </a:ext>
             </a:extLst>
           </p:cNvPr>
@@ -658,7 +658,7 @@
           <a:bodyPr/>
           <a:lstStyle/>
           <a:p>
-            <a:fld id="{94324A0C-B16C-4EE5-AC11-9A1E28C278A9}" type="datetimeFigureOut">
+            <a:fld id="{D5591F83-9369-441C-BEC8-8C116C13A5F0}" type="datetimeFigureOut">
               <a:rPr lang="zh-CN" altLang="en-US" smtClean="0"/>
               <a:t>2024/3/10</a:t>
             </a:fld>
@@ -671,7 +671,7 @@
           <p:cNvPr id="5" name="页脚占位符 4">
             <a:extLst>
               <a:ext uri="{FF2B5EF4-FFF2-40B4-BE49-F238E27FC236}">
-                <a16:creationId xmlns:a16="http://schemas.microsoft.com/office/drawing/2014/main" id="{F3A1E4F8-629C-FD7A-3A53-64B6AEFCD379}"/>
+                <a16:creationId xmlns:a16="http://schemas.microsoft.com/office/drawing/2014/main" id="{FCE7D078-1071-3932-A2B6-2997847EC4C9}"/>
               </a:ext>
             </a:extLst>
           </p:cNvPr>
@@ -696,7 +696,7 @@
           <p:cNvPr id="6" name="灯片编号占位符 5">
             <a:extLst>
               <a:ext uri="{FF2B5EF4-FFF2-40B4-BE49-F238E27FC236}">
-                <a16:creationId xmlns:a16="http://schemas.microsoft.com/office/drawing/2014/main" id="{E5990D8C-A138-341C-5CC1-62C399802B9A}"/>
+                <a16:creationId xmlns:a16="http://schemas.microsoft.com/office/drawing/2014/main" id="{4F73BC33-4D78-FF74-8CA5-4ACBA68E7F9A}"/>
               </a:ext>
             </a:extLst>
           </p:cNvPr>
@@ -712,7 +712,7 @@
           <a:bodyPr/>
           <a:lstStyle/>
           <a:p>
-            <a:fld id="{A28A8841-72B2-461E-89B5-8A39AC170400}" type="slidenum">
+            <a:fld id="{B7B3845D-7723-4665-A7A7-9E58665151A9}" type="slidenum">
               <a:rPr lang="zh-CN" altLang="en-US" smtClean="0"/>
               <a:t>‹#›</a:t>
             </a:fld>
@@ -723,7 +723,7 @@
     </p:spTree>
     <p:extLst>
       <p:ext uri="{BB962C8B-B14F-4D97-AF65-F5344CB8AC3E}">
-        <p14:creationId xmlns:p14="http://schemas.microsoft.com/office/powerpoint/2010/main" val="3743801059"/>
+        <p14:creationId xmlns:p14="http://schemas.microsoft.com/office/powerpoint/2010/main" val="3658616756"/>
       </p:ext>
     </p:extLst>
   </p:cSld>
@@ -755,7 +755,7 @@
           <p:cNvPr id="2" name="标题 1">
             <a:extLst>
               <a:ext uri="{FF2B5EF4-FFF2-40B4-BE49-F238E27FC236}">
-                <a16:creationId xmlns:a16="http://schemas.microsoft.com/office/drawing/2014/main" id="{37B6224A-7438-A55D-CC5D-4FEBF0FB678A}"/>
+                <a16:creationId xmlns:a16="http://schemas.microsoft.com/office/drawing/2014/main" id="{157C0930-781F-CD77-2233-B9969EE38AC1}"/>
               </a:ext>
             </a:extLst>
           </p:cNvPr>
@@ -783,7 +783,7 @@
           <p:cNvPr id="3" name="内容占位符 2">
             <a:extLst>
               <a:ext uri="{FF2B5EF4-FFF2-40B4-BE49-F238E27FC236}">
-                <a16:creationId xmlns:a16="http://schemas.microsoft.com/office/drawing/2014/main" id="{2D8C37AC-4C87-BF12-8916-AF1E39485FBE}"/>
+                <a16:creationId xmlns:a16="http://schemas.microsoft.com/office/drawing/2014/main" id="{6FCD20C7-67AD-7D4D-EC91-62994460A8C4}"/>
               </a:ext>
             </a:extLst>
           </p:cNvPr>
@@ -840,7 +840,7 @@
           <p:cNvPr id="4" name="日期占位符 3">
             <a:extLst>
               <a:ext uri="{FF2B5EF4-FFF2-40B4-BE49-F238E27FC236}">
-                <a16:creationId xmlns:a16="http://schemas.microsoft.com/office/drawing/2014/main" id="{0892E8F2-558E-FC1D-B1D0-DEA4BF68D36F}"/>
+                <a16:creationId xmlns:a16="http://schemas.microsoft.com/office/drawing/2014/main" id="{4AB42B12-F186-8009-8A43-9C19E04BEFF0}"/>
               </a:ext>
             </a:extLst>
           </p:cNvPr>
@@ -856,7 +856,7 @@
           <a:bodyPr/>
           <a:lstStyle/>
           <a:p>
-            <a:fld id="{94324A0C-B16C-4EE5-AC11-9A1E28C278A9}" type="datetimeFigureOut">
+            <a:fld id="{D5591F83-9369-441C-BEC8-8C116C13A5F0}" type="datetimeFigureOut">
               <a:rPr lang="zh-CN" altLang="en-US" smtClean="0"/>
               <a:t>2024/3/10</a:t>
             </a:fld>
@@ -869,7 +869,7 @@
           <p:cNvPr id="5" name="页脚占位符 4">
             <a:extLst>
               <a:ext uri="{FF2B5EF4-FFF2-40B4-BE49-F238E27FC236}">
-                <a16:creationId xmlns:a16="http://schemas.microsoft.com/office/drawing/2014/main" id="{225F57BA-C287-046B-B191-AB409CC8FA07}"/>
+                <a16:creationId xmlns:a16="http://schemas.microsoft.com/office/drawing/2014/main" id="{4BC6CCBC-769B-9350-F871-33235986FB9E}"/>
               </a:ext>
             </a:extLst>
           </p:cNvPr>
@@ -894,7 +894,7 @@
           <p:cNvPr id="6" name="灯片编号占位符 5">
             <a:extLst>
               <a:ext uri="{FF2B5EF4-FFF2-40B4-BE49-F238E27FC236}">
-                <a16:creationId xmlns:a16="http://schemas.microsoft.com/office/drawing/2014/main" id="{1F9C1AA7-1386-A168-A825-E1AE5A3A013A}"/>
+                <a16:creationId xmlns:a16="http://schemas.microsoft.com/office/drawing/2014/main" id="{E3BFDC68-1EBC-90AF-0325-EFCD237A7075}"/>
               </a:ext>
             </a:extLst>
           </p:cNvPr>
@@ -910,7 +910,7 @@
           <a:bodyPr/>
           <a:lstStyle/>
           <a:p>
-            <a:fld id="{A28A8841-72B2-461E-89B5-8A39AC170400}" type="slidenum">
+            <a:fld id="{B7B3845D-7723-4665-A7A7-9E58665151A9}" type="slidenum">
               <a:rPr lang="zh-CN" altLang="en-US" smtClean="0"/>
               <a:t>‹#›</a:t>
             </a:fld>
@@ -921,7 +921,7 @@
     </p:spTree>
     <p:extLst>
       <p:ext uri="{BB962C8B-B14F-4D97-AF65-F5344CB8AC3E}">
-        <p14:creationId xmlns:p14="http://schemas.microsoft.com/office/powerpoint/2010/main" val="3659076149"/>
+        <p14:creationId xmlns:p14="http://schemas.microsoft.com/office/powerpoint/2010/main" val="3359015901"/>
       </p:ext>
     </p:extLst>
   </p:cSld>
@@ -953,7 +953,7 @@
           <p:cNvPr id="2" name="标题 1">
             <a:extLst>
               <a:ext uri="{FF2B5EF4-FFF2-40B4-BE49-F238E27FC236}">
-                <a16:creationId xmlns:a16="http://schemas.microsoft.com/office/drawing/2014/main" id="{8DFCD4FE-441C-61CE-F7E7-DABF59257A65}"/>
+                <a16:creationId xmlns:a16="http://schemas.microsoft.com/office/drawing/2014/main" id="{1C651E0A-6514-3B0D-84AD-EC3166B712A1}"/>
               </a:ext>
             </a:extLst>
           </p:cNvPr>
@@ -990,7 +990,7 @@
           <p:cNvPr id="3" name="文本占位符 2">
             <a:extLst>
               <a:ext uri="{FF2B5EF4-FFF2-40B4-BE49-F238E27FC236}">
-                <a16:creationId xmlns:a16="http://schemas.microsoft.com/office/drawing/2014/main" id="{6C439662-7E36-E51F-D081-6D8ABB53EC4E}"/>
+                <a16:creationId xmlns:a16="http://schemas.microsoft.com/office/drawing/2014/main" id="{3E2C86D2-1C7D-21E2-FD8D-BABAB8CA2322}"/>
               </a:ext>
             </a:extLst>
           </p:cNvPr>
@@ -1115,7 +1115,7 @@
           <p:cNvPr id="4" name="日期占位符 3">
             <a:extLst>
               <a:ext uri="{FF2B5EF4-FFF2-40B4-BE49-F238E27FC236}">
-                <a16:creationId xmlns:a16="http://schemas.microsoft.com/office/drawing/2014/main" id="{3A15AB27-8B60-E3B7-263D-455978664C8B}"/>
+                <a16:creationId xmlns:a16="http://schemas.microsoft.com/office/drawing/2014/main" id="{606672EB-A60D-DBB5-B50F-000DD0019148}"/>
               </a:ext>
             </a:extLst>
           </p:cNvPr>
@@ -1131,7 +1131,7 @@
           <a:bodyPr/>
           <a:lstStyle/>
           <a:p>
-            <a:fld id="{94324A0C-B16C-4EE5-AC11-9A1E28C278A9}" type="datetimeFigureOut">
+            <a:fld id="{D5591F83-9369-441C-BEC8-8C116C13A5F0}" type="datetimeFigureOut">
               <a:rPr lang="zh-CN" altLang="en-US" smtClean="0"/>
               <a:t>2024/3/10</a:t>
             </a:fld>
@@ -1144,7 +1144,7 @@
           <p:cNvPr id="5" name="页脚占位符 4">
             <a:extLst>
               <a:ext uri="{FF2B5EF4-FFF2-40B4-BE49-F238E27FC236}">
-                <a16:creationId xmlns:a16="http://schemas.microsoft.com/office/drawing/2014/main" id="{581C8570-FD48-206F-E98C-CB637715A330}"/>
+                <a16:creationId xmlns:a16="http://schemas.microsoft.com/office/drawing/2014/main" id="{39F451A6-9114-4686-B72F-DCD992F89D39}"/>
               </a:ext>
             </a:extLst>
           </p:cNvPr>
@@ -1169,7 +1169,7 @@
           <p:cNvPr id="6" name="灯片编号占位符 5">
             <a:extLst>
               <a:ext uri="{FF2B5EF4-FFF2-40B4-BE49-F238E27FC236}">
-                <a16:creationId xmlns:a16="http://schemas.microsoft.com/office/drawing/2014/main" id="{2452D8CC-685A-C81B-BEF9-9749152811F2}"/>
+                <a16:creationId xmlns:a16="http://schemas.microsoft.com/office/drawing/2014/main" id="{C2DABE22-8B27-ED70-3625-B6B15A0D9446}"/>
               </a:ext>
             </a:extLst>
           </p:cNvPr>
@@ -1185,7 +1185,7 @@
           <a:bodyPr/>
           <a:lstStyle/>
           <a:p>
-            <a:fld id="{A28A8841-72B2-461E-89B5-8A39AC170400}" type="slidenum">
+            <a:fld id="{B7B3845D-7723-4665-A7A7-9E58665151A9}" type="slidenum">
               <a:rPr lang="zh-CN" altLang="en-US" smtClean="0"/>
               <a:t>‹#›</a:t>
             </a:fld>
@@ -1196,7 +1196,7 @@
     </p:spTree>
     <p:extLst>
       <p:ext uri="{BB962C8B-B14F-4D97-AF65-F5344CB8AC3E}">
-        <p14:creationId xmlns:p14="http://schemas.microsoft.com/office/powerpoint/2010/main" val="556769481"/>
+        <p14:creationId xmlns:p14="http://schemas.microsoft.com/office/powerpoint/2010/main" val="2243339132"/>
       </p:ext>
     </p:extLst>
   </p:cSld>
@@ -1228,7 +1228,7 @@
           <p:cNvPr id="2" name="标题 1">
             <a:extLst>
               <a:ext uri="{FF2B5EF4-FFF2-40B4-BE49-F238E27FC236}">
-                <a16:creationId xmlns:a16="http://schemas.microsoft.com/office/drawing/2014/main" id="{24C22E67-E4DD-17C2-C781-E7B235A61ACF}"/>
+                <a16:creationId xmlns:a16="http://schemas.microsoft.com/office/drawing/2014/main" id="{D1C17FFC-B68C-AB2E-B8BA-E563948EB414}"/>
               </a:ext>
             </a:extLst>
           </p:cNvPr>
@@ -1256,7 +1256,7 @@
           <p:cNvPr id="3" name="内容占位符 2">
             <a:extLst>
               <a:ext uri="{FF2B5EF4-FFF2-40B4-BE49-F238E27FC236}">
-                <a16:creationId xmlns:a16="http://schemas.microsoft.com/office/drawing/2014/main" id="{0133AE19-B293-5571-46D7-E9FFFF84EECF}"/>
+                <a16:creationId xmlns:a16="http://schemas.microsoft.com/office/drawing/2014/main" id="{DCA98869-4A81-F7E0-265E-F7C793B22987}"/>
               </a:ext>
             </a:extLst>
           </p:cNvPr>
@@ -1318,7 +1318,7 @@
           <p:cNvPr id="4" name="内容占位符 3">
             <a:extLst>
               <a:ext uri="{FF2B5EF4-FFF2-40B4-BE49-F238E27FC236}">
-                <a16:creationId xmlns:a16="http://schemas.microsoft.com/office/drawing/2014/main" id="{18F882C6-4DEA-4627-DFAA-C6A5F632C5C5}"/>
+                <a16:creationId xmlns:a16="http://schemas.microsoft.com/office/drawing/2014/main" id="{62A7C84B-BF19-994F-04B2-96F000F33093}"/>
               </a:ext>
             </a:extLst>
           </p:cNvPr>
@@ -1380,7 +1380,7 @@
           <p:cNvPr id="5" name="日期占位符 4">
             <a:extLst>
               <a:ext uri="{FF2B5EF4-FFF2-40B4-BE49-F238E27FC236}">
-                <a16:creationId xmlns:a16="http://schemas.microsoft.com/office/drawing/2014/main" id="{BA4CDD7D-F1E4-D429-863D-35AE84764F26}"/>
+                <a16:creationId xmlns:a16="http://schemas.microsoft.com/office/drawing/2014/main" id="{3EFCB47B-F1FC-99EF-7F90-61535B57CB95}"/>
               </a:ext>
             </a:extLst>
           </p:cNvPr>
@@ -1396,7 +1396,7 @@
           <a:bodyPr/>
           <a:lstStyle/>
           <a:p>
-            <a:fld id="{94324A0C-B16C-4EE5-AC11-9A1E28C278A9}" type="datetimeFigureOut">
+            <a:fld id="{D5591F83-9369-441C-BEC8-8C116C13A5F0}" type="datetimeFigureOut">
               <a:rPr lang="zh-CN" altLang="en-US" smtClean="0"/>
               <a:t>2024/3/10</a:t>
             </a:fld>
@@ -1409,7 +1409,7 @@
           <p:cNvPr id="6" name="页脚占位符 5">
             <a:extLst>
               <a:ext uri="{FF2B5EF4-FFF2-40B4-BE49-F238E27FC236}">
-                <a16:creationId xmlns:a16="http://schemas.microsoft.com/office/drawing/2014/main" id="{D865C5D4-E85C-AD6A-85BD-8B73390EE4E6}"/>
+                <a16:creationId xmlns:a16="http://schemas.microsoft.com/office/drawing/2014/main" id="{C9B57E4E-7402-3DFB-CEB3-4E729CE7F5F4}"/>
               </a:ext>
             </a:extLst>
           </p:cNvPr>
@@ -1434,7 +1434,7 @@
           <p:cNvPr id="7" name="灯片编号占位符 6">
             <a:extLst>
               <a:ext uri="{FF2B5EF4-FFF2-40B4-BE49-F238E27FC236}">
-                <a16:creationId xmlns:a16="http://schemas.microsoft.com/office/drawing/2014/main" id="{D4994DF4-2456-5D51-9767-2FDF2C086338}"/>
+                <a16:creationId xmlns:a16="http://schemas.microsoft.com/office/drawing/2014/main" id="{465B2661-C767-7E5F-163B-3F482DA2E820}"/>
               </a:ext>
             </a:extLst>
           </p:cNvPr>
@@ -1450,7 +1450,7 @@
           <a:bodyPr/>
           <a:lstStyle/>
           <a:p>
-            <a:fld id="{A28A8841-72B2-461E-89B5-8A39AC170400}" type="slidenum">
+            <a:fld id="{B7B3845D-7723-4665-A7A7-9E58665151A9}" type="slidenum">
               <a:rPr lang="zh-CN" altLang="en-US" smtClean="0"/>
               <a:t>‹#›</a:t>
             </a:fld>
@@ -1461,7 +1461,7 @@
     </p:spTree>
     <p:extLst>
       <p:ext uri="{BB962C8B-B14F-4D97-AF65-F5344CB8AC3E}">
-        <p14:creationId xmlns:p14="http://schemas.microsoft.com/office/powerpoint/2010/main" val="1471996024"/>
+        <p14:creationId xmlns:p14="http://schemas.microsoft.com/office/powerpoint/2010/main" val="3616644915"/>
       </p:ext>
     </p:extLst>
   </p:cSld>
@@ -1493,7 +1493,7 @@
           <p:cNvPr id="2" name="标题 1">
             <a:extLst>
               <a:ext uri="{FF2B5EF4-FFF2-40B4-BE49-F238E27FC236}">
-                <a16:creationId xmlns:a16="http://schemas.microsoft.com/office/drawing/2014/main" id="{E9D26869-B572-8EB5-FC3F-75C1E6FA3461}"/>
+                <a16:creationId xmlns:a16="http://schemas.microsoft.com/office/drawing/2014/main" id="{C98CC178-6542-ACD1-4A84-A2D40BE8CCB7}"/>
               </a:ext>
             </a:extLst>
           </p:cNvPr>
@@ -1526,7 +1526,7 @@
           <p:cNvPr id="3" name="文本占位符 2">
             <a:extLst>
               <a:ext uri="{FF2B5EF4-FFF2-40B4-BE49-F238E27FC236}">
-                <a16:creationId xmlns:a16="http://schemas.microsoft.com/office/drawing/2014/main" id="{6BF1D0DA-0CFE-E5E9-64E7-788A7797F260}"/>
+                <a16:creationId xmlns:a16="http://schemas.microsoft.com/office/drawing/2014/main" id="{DF6BD42F-5E7E-B5D3-3AA2-8C480FF102A1}"/>
               </a:ext>
             </a:extLst>
           </p:cNvPr>
@@ -1597,7 +1597,7 @@
           <p:cNvPr id="4" name="内容占位符 3">
             <a:extLst>
               <a:ext uri="{FF2B5EF4-FFF2-40B4-BE49-F238E27FC236}">
-                <a16:creationId xmlns:a16="http://schemas.microsoft.com/office/drawing/2014/main" id="{86AC1F0C-1183-38C7-EB34-3956088A8887}"/>
+                <a16:creationId xmlns:a16="http://schemas.microsoft.com/office/drawing/2014/main" id="{1E3FDACE-3651-FF63-CF39-8CF60FDCA1A4}"/>
               </a:ext>
             </a:extLst>
           </p:cNvPr>
@@ -1659,7 +1659,7 @@
           <p:cNvPr id="5" name="文本占位符 4">
             <a:extLst>
               <a:ext uri="{FF2B5EF4-FFF2-40B4-BE49-F238E27FC236}">
-                <a16:creationId xmlns:a16="http://schemas.microsoft.com/office/drawing/2014/main" id="{1FA56201-A5B8-C983-3AF2-03923FAF6236}"/>
+                <a16:creationId xmlns:a16="http://schemas.microsoft.com/office/drawing/2014/main" id="{1A388070-C8A7-CDD4-11E9-345AD4FBE8D2}"/>
               </a:ext>
             </a:extLst>
           </p:cNvPr>
@@ -1730,7 +1730,7 @@
           <p:cNvPr id="6" name="内容占位符 5">
             <a:extLst>
               <a:ext uri="{FF2B5EF4-FFF2-40B4-BE49-F238E27FC236}">
-                <a16:creationId xmlns:a16="http://schemas.microsoft.com/office/drawing/2014/main" id="{E5E489AF-A5DB-44D1-44C6-6E4ED7FFB003}"/>
+                <a16:creationId xmlns:a16="http://schemas.microsoft.com/office/drawing/2014/main" id="{1670EDFF-35B4-29B6-9361-CE9F1A04F7CC}"/>
               </a:ext>
             </a:extLst>
           </p:cNvPr>
@@ -1792,7 +1792,7 @@
           <p:cNvPr id="7" name="日期占位符 6">
             <a:extLst>
               <a:ext uri="{FF2B5EF4-FFF2-40B4-BE49-F238E27FC236}">
-                <a16:creationId xmlns:a16="http://schemas.microsoft.com/office/drawing/2014/main" id="{E8C71DC8-F9A8-B79A-37FB-6BB01039153F}"/>
+                <a16:creationId xmlns:a16="http://schemas.microsoft.com/office/drawing/2014/main" id="{A4694E4F-B861-49E1-FAEA-D4BA517F20D3}"/>
               </a:ext>
             </a:extLst>
           </p:cNvPr>
@@ -1808,7 +1808,7 @@
           <a:bodyPr/>
           <a:lstStyle/>
           <a:p>
-            <a:fld id="{94324A0C-B16C-4EE5-AC11-9A1E28C278A9}" type="datetimeFigureOut">
+            <a:fld id="{D5591F83-9369-441C-BEC8-8C116C13A5F0}" type="datetimeFigureOut">
               <a:rPr lang="zh-CN" altLang="en-US" smtClean="0"/>
               <a:t>2024/3/10</a:t>
             </a:fld>
@@ -1821,7 +1821,7 @@
           <p:cNvPr id="8" name="页脚占位符 7">
             <a:extLst>
               <a:ext uri="{FF2B5EF4-FFF2-40B4-BE49-F238E27FC236}">
-                <a16:creationId xmlns:a16="http://schemas.microsoft.com/office/drawing/2014/main" id="{D37A64EF-B6FB-B6D3-8B58-46BFC4B53C06}"/>
+                <a16:creationId xmlns:a16="http://schemas.microsoft.com/office/drawing/2014/main" id="{E84893E3-3110-A784-9A7F-738C1F4A8C26}"/>
               </a:ext>
             </a:extLst>
           </p:cNvPr>
@@ -1846,7 +1846,7 @@
           <p:cNvPr id="9" name="灯片编号占位符 8">
             <a:extLst>
               <a:ext uri="{FF2B5EF4-FFF2-40B4-BE49-F238E27FC236}">
-                <a16:creationId xmlns:a16="http://schemas.microsoft.com/office/drawing/2014/main" id="{5E800AE8-D9DA-7A5B-C9D0-EC39D38F5AEF}"/>
+                <a16:creationId xmlns:a16="http://schemas.microsoft.com/office/drawing/2014/main" id="{0681D26F-64D0-CC7C-D3CB-2404708889C4}"/>
               </a:ext>
             </a:extLst>
           </p:cNvPr>
@@ -1862,7 +1862,7 @@
           <a:bodyPr/>
           <a:lstStyle/>
           <a:p>
-            <a:fld id="{A28A8841-72B2-461E-89B5-8A39AC170400}" type="slidenum">
+            <a:fld id="{B7B3845D-7723-4665-A7A7-9E58665151A9}" type="slidenum">
               <a:rPr lang="zh-CN" altLang="en-US" smtClean="0"/>
               <a:t>‹#›</a:t>
             </a:fld>
@@ -1873,7 +1873,7 @@
     </p:spTree>
     <p:extLst>
       <p:ext uri="{BB962C8B-B14F-4D97-AF65-F5344CB8AC3E}">
-        <p14:creationId xmlns:p14="http://schemas.microsoft.com/office/powerpoint/2010/main" val="2205958607"/>
+        <p14:creationId xmlns:p14="http://schemas.microsoft.com/office/powerpoint/2010/main" val="3885684690"/>
       </p:ext>
     </p:extLst>
   </p:cSld>
@@ -1905,7 +1905,7 @@
           <p:cNvPr id="2" name="标题 1">
             <a:extLst>
               <a:ext uri="{FF2B5EF4-FFF2-40B4-BE49-F238E27FC236}">
-                <a16:creationId xmlns:a16="http://schemas.microsoft.com/office/drawing/2014/main" id="{5E127887-BABB-27A1-9730-5113634D345C}"/>
+                <a16:creationId xmlns:a16="http://schemas.microsoft.com/office/drawing/2014/main" id="{FE1E6AED-43BD-2A1E-0A47-16A4521813E0}"/>
               </a:ext>
             </a:extLst>
           </p:cNvPr>
@@ -1933,7 +1933,7 @@
           <p:cNvPr id="3" name="日期占位符 2">
             <a:extLst>
               <a:ext uri="{FF2B5EF4-FFF2-40B4-BE49-F238E27FC236}">
-                <a16:creationId xmlns:a16="http://schemas.microsoft.com/office/drawing/2014/main" id="{1CD9EEFB-DB33-4FD3-6107-847C727CDB38}"/>
+                <a16:creationId xmlns:a16="http://schemas.microsoft.com/office/drawing/2014/main" id="{6126E3FC-9052-1DEC-4AE4-B620E86521FD}"/>
               </a:ext>
             </a:extLst>
           </p:cNvPr>
@@ -1949,7 +1949,7 @@
           <a:bodyPr/>
           <a:lstStyle/>
           <a:p>
-            <a:fld id="{94324A0C-B16C-4EE5-AC11-9A1E28C278A9}" type="datetimeFigureOut">
+            <a:fld id="{D5591F83-9369-441C-BEC8-8C116C13A5F0}" type="datetimeFigureOut">
               <a:rPr lang="zh-CN" altLang="en-US" smtClean="0"/>
               <a:t>2024/3/10</a:t>
             </a:fld>
@@ -1962,7 +1962,7 @@
           <p:cNvPr id="4" name="页脚占位符 3">
             <a:extLst>
               <a:ext uri="{FF2B5EF4-FFF2-40B4-BE49-F238E27FC236}">
-                <a16:creationId xmlns:a16="http://schemas.microsoft.com/office/drawing/2014/main" id="{2DE15082-FCCA-DE83-399A-2489B0DF2AE6}"/>
+                <a16:creationId xmlns:a16="http://schemas.microsoft.com/office/drawing/2014/main" id="{9CCF2506-AB4E-76BE-49F8-0F38F3845CA5}"/>
               </a:ext>
             </a:extLst>
           </p:cNvPr>
@@ -1987,7 +1987,7 @@
           <p:cNvPr id="5" name="灯片编号占位符 4">
             <a:extLst>
               <a:ext uri="{FF2B5EF4-FFF2-40B4-BE49-F238E27FC236}">
-                <a16:creationId xmlns:a16="http://schemas.microsoft.com/office/drawing/2014/main" id="{625E8304-603D-4094-0FDF-11D4B2B6BBEA}"/>
+                <a16:creationId xmlns:a16="http://schemas.microsoft.com/office/drawing/2014/main" id="{BD9AA89A-13AD-195B-73F9-389F53F39FA3}"/>
               </a:ext>
             </a:extLst>
           </p:cNvPr>
@@ -2003,7 +2003,7 @@
           <a:bodyPr/>
           <a:lstStyle/>
           <a:p>
-            <a:fld id="{A28A8841-72B2-461E-89B5-8A39AC170400}" type="slidenum">
+            <a:fld id="{B7B3845D-7723-4665-A7A7-9E58665151A9}" type="slidenum">
               <a:rPr lang="zh-CN" altLang="en-US" smtClean="0"/>
               <a:t>‹#›</a:t>
             </a:fld>
@@ -2014,7 +2014,7 @@
     </p:spTree>
     <p:extLst>
       <p:ext uri="{BB962C8B-B14F-4D97-AF65-F5344CB8AC3E}">
-        <p14:creationId xmlns:p14="http://schemas.microsoft.com/office/powerpoint/2010/main" val="3056595741"/>
+        <p14:creationId xmlns:p14="http://schemas.microsoft.com/office/powerpoint/2010/main" val="1087484647"/>
       </p:ext>
     </p:extLst>
   </p:cSld>
@@ -2046,7 +2046,7 @@
           <p:cNvPr id="2" name="日期占位符 1">
             <a:extLst>
               <a:ext uri="{FF2B5EF4-FFF2-40B4-BE49-F238E27FC236}">
-                <a16:creationId xmlns:a16="http://schemas.microsoft.com/office/drawing/2014/main" id="{8138CE6B-D37D-2E46-BEF2-CD5136515E4C}"/>
+                <a16:creationId xmlns:a16="http://schemas.microsoft.com/office/drawing/2014/main" id="{0D80D332-694F-930E-19A3-67EB53A91BD2}"/>
               </a:ext>
             </a:extLst>
           </p:cNvPr>
@@ -2062,7 +2062,7 @@
           <a:bodyPr/>
           <a:lstStyle/>
           <a:p>
-            <a:fld id="{94324A0C-B16C-4EE5-AC11-9A1E28C278A9}" type="datetimeFigureOut">
+            <a:fld id="{D5591F83-9369-441C-BEC8-8C116C13A5F0}" type="datetimeFigureOut">
               <a:rPr lang="zh-CN" altLang="en-US" smtClean="0"/>
               <a:t>2024/3/10</a:t>
             </a:fld>
@@ -2075,7 +2075,7 @@
           <p:cNvPr id="3" name="页脚占位符 2">
             <a:extLst>
               <a:ext uri="{FF2B5EF4-FFF2-40B4-BE49-F238E27FC236}">
-                <a16:creationId xmlns:a16="http://schemas.microsoft.com/office/drawing/2014/main" id="{54D28B1B-95DF-EB20-B673-A3F344FF69FE}"/>
+                <a16:creationId xmlns:a16="http://schemas.microsoft.com/office/drawing/2014/main" id="{D5C7D175-8596-9C03-B064-C703A7DFB538}"/>
               </a:ext>
             </a:extLst>
           </p:cNvPr>
@@ -2100,7 +2100,7 @@
           <p:cNvPr id="4" name="灯片编号占位符 3">
             <a:extLst>
               <a:ext uri="{FF2B5EF4-FFF2-40B4-BE49-F238E27FC236}">
-                <a16:creationId xmlns:a16="http://schemas.microsoft.com/office/drawing/2014/main" id="{B62AF4F8-9DC3-C2EC-5C68-3373737755E2}"/>
+                <a16:creationId xmlns:a16="http://schemas.microsoft.com/office/drawing/2014/main" id="{0963C0A4-75D1-3369-CC28-0DBAD5AEA328}"/>
               </a:ext>
             </a:extLst>
           </p:cNvPr>
@@ -2116,7 +2116,7 @@
           <a:bodyPr/>
           <a:lstStyle/>
           <a:p>
-            <a:fld id="{A28A8841-72B2-461E-89B5-8A39AC170400}" type="slidenum">
+            <a:fld id="{B7B3845D-7723-4665-A7A7-9E58665151A9}" type="slidenum">
               <a:rPr lang="zh-CN" altLang="en-US" smtClean="0"/>
               <a:t>‹#›</a:t>
             </a:fld>
@@ -2127,7 +2127,7 @@
     </p:spTree>
     <p:extLst>
       <p:ext uri="{BB962C8B-B14F-4D97-AF65-F5344CB8AC3E}">
-        <p14:creationId xmlns:p14="http://schemas.microsoft.com/office/powerpoint/2010/main" val="78336559"/>
+        <p14:creationId xmlns:p14="http://schemas.microsoft.com/office/powerpoint/2010/main" val="3272436039"/>
       </p:ext>
     </p:extLst>
   </p:cSld>
@@ -2159,7 +2159,7 @@
           <p:cNvPr id="2" name="标题 1">
             <a:extLst>
               <a:ext uri="{FF2B5EF4-FFF2-40B4-BE49-F238E27FC236}">
-                <a16:creationId xmlns:a16="http://schemas.microsoft.com/office/drawing/2014/main" id="{A1088610-5BD0-404E-4895-D80E1517FDE1}"/>
+                <a16:creationId xmlns:a16="http://schemas.microsoft.com/office/drawing/2014/main" id="{44534483-FDF7-02E9-286F-7ABD06B3DA9F}"/>
               </a:ext>
             </a:extLst>
           </p:cNvPr>
@@ -2196,7 +2196,7 @@
           <p:cNvPr id="3" name="内容占位符 2">
             <a:extLst>
               <a:ext uri="{FF2B5EF4-FFF2-40B4-BE49-F238E27FC236}">
-                <a16:creationId xmlns:a16="http://schemas.microsoft.com/office/drawing/2014/main" id="{F2583D66-7858-3915-D583-76EF40A5B7F4}"/>
+                <a16:creationId xmlns:a16="http://schemas.microsoft.com/office/drawing/2014/main" id="{A07E78E2-0EDB-624F-7B48-784612383522}"/>
               </a:ext>
             </a:extLst>
           </p:cNvPr>
@@ -2286,7 +2286,7 @@
           <p:cNvPr id="4" name="文本占位符 3">
             <a:extLst>
               <a:ext uri="{FF2B5EF4-FFF2-40B4-BE49-F238E27FC236}">
-                <a16:creationId xmlns:a16="http://schemas.microsoft.com/office/drawing/2014/main" id="{6C957462-5121-13CA-B55C-BFBE9BAA6BB9}"/>
+                <a16:creationId xmlns:a16="http://schemas.microsoft.com/office/drawing/2014/main" id="{6C9AEB70-4989-6748-BF8E-08B08BA11AC9}"/>
               </a:ext>
             </a:extLst>
           </p:cNvPr>
@@ -2357,7 +2357,7 @@
           <p:cNvPr id="5" name="日期占位符 4">
             <a:extLst>
               <a:ext uri="{FF2B5EF4-FFF2-40B4-BE49-F238E27FC236}">
-                <a16:creationId xmlns:a16="http://schemas.microsoft.com/office/drawing/2014/main" id="{5A5BFC0E-2BE7-705A-E788-D734B354AD05}"/>
+                <a16:creationId xmlns:a16="http://schemas.microsoft.com/office/drawing/2014/main" id="{CB12DBC0-AD32-45E8-F77B-A31D491DB5E5}"/>
               </a:ext>
             </a:extLst>
           </p:cNvPr>
@@ -2373,7 +2373,7 @@
           <a:bodyPr/>
           <a:lstStyle/>
           <a:p>
-            <a:fld id="{94324A0C-B16C-4EE5-AC11-9A1E28C278A9}" type="datetimeFigureOut">
+            <a:fld id="{D5591F83-9369-441C-BEC8-8C116C13A5F0}" type="datetimeFigureOut">
               <a:rPr lang="zh-CN" altLang="en-US" smtClean="0"/>
               <a:t>2024/3/10</a:t>
             </a:fld>
@@ -2386,7 +2386,7 @@
           <p:cNvPr id="6" name="页脚占位符 5">
             <a:extLst>
               <a:ext uri="{FF2B5EF4-FFF2-40B4-BE49-F238E27FC236}">
-                <a16:creationId xmlns:a16="http://schemas.microsoft.com/office/drawing/2014/main" id="{2C290CCE-D80C-E887-65ED-5E39490C942A}"/>
+                <a16:creationId xmlns:a16="http://schemas.microsoft.com/office/drawing/2014/main" id="{286590E7-B74D-9D5F-1AB5-8D8C779F06B7}"/>
               </a:ext>
             </a:extLst>
           </p:cNvPr>
@@ -2411,7 +2411,7 @@
           <p:cNvPr id="7" name="灯片编号占位符 6">
             <a:extLst>
               <a:ext uri="{FF2B5EF4-FFF2-40B4-BE49-F238E27FC236}">
-                <a16:creationId xmlns:a16="http://schemas.microsoft.com/office/drawing/2014/main" id="{0B82AD28-C0E5-7359-9D95-EFD58E12B1E1}"/>
+                <a16:creationId xmlns:a16="http://schemas.microsoft.com/office/drawing/2014/main" id="{DFCFAB64-639D-EBA3-9491-76E3923ABCCF}"/>
               </a:ext>
             </a:extLst>
           </p:cNvPr>
@@ -2427,7 +2427,7 @@
           <a:bodyPr/>
           <a:lstStyle/>
           <a:p>
-            <a:fld id="{A28A8841-72B2-461E-89B5-8A39AC170400}" type="slidenum">
+            <a:fld id="{B7B3845D-7723-4665-A7A7-9E58665151A9}" type="slidenum">
               <a:rPr lang="zh-CN" altLang="en-US" smtClean="0"/>
               <a:t>‹#›</a:t>
             </a:fld>
@@ -2438,7 +2438,7 @@
     </p:spTree>
     <p:extLst>
       <p:ext uri="{BB962C8B-B14F-4D97-AF65-F5344CB8AC3E}">
-        <p14:creationId xmlns:p14="http://schemas.microsoft.com/office/powerpoint/2010/main" val="1349569181"/>
+        <p14:creationId xmlns:p14="http://schemas.microsoft.com/office/powerpoint/2010/main" val="3791665064"/>
       </p:ext>
     </p:extLst>
   </p:cSld>
@@ -2470,7 +2470,7 @@
           <p:cNvPr id="2" name="标题 1">
             <a:extLst>
               <a:ext uri="{FF2B5EF4-FFF2-40B4-BE49-F238E27FC236}">
-                <a16:creationId xmlns:a16="http://schemas.microsoft.com/office/drawing/2014/main" id="{AC7C2049-680F-C6B7-46DF-4D3BD558C5F0}"/>
+                <a16:creationId xmlns:a16="http://schemas.microsoft.com/office/drawing/2014/main" id="{D311F37B-DC61-C45E-98CA-A2327C855C84}"/>
               </a:ext>
             </a:extLst>
           </p:cNvPr>
@@ -2507,7 +2507,7 @@
           <p:cNvPr id="3" name="图片占位符 2">
             <a:extLst>
               <a:ext uri="{FF2B5EF4-FFF2-40B4-BE49-F238E27FC236}">
-                <a16:creationId xmlns:a16="http://schemas.microsoft.com/office/drawing/2014/main" id="{D76D459E-97A7-2113-E4DF-4D6A4CA4AA89}"/>
+                <a16:creationId xmlns:a16="http://schemas.microsoft.com/office/drawing/2014/main" id="{EDCCA9E3-7948-3564-6925-21BBBCFE9174}"/>
               </a:ext>
             </a:extLst>
           </p:cNvPr>
@@ -2574,7 +2574,7 @@
           <p:cNvPr id="4" name="文本占位符 3">
             <a:extLst>
               <a:ext uri="{FF2B5EF4-FFF2-40B4-BE49-F238E27FC236}">
-                <a16:creationId xmlns:a16="http://schemas.microsoft.com/office/drawing/2014/main" id="{7A46BBF7-09E5-C64A-9B04-074A92E47703}"/>
+                <a16:creationId xmlns:a16="http://schemas.microsoft.com/office/drawing/2014/main" id="{50AE82E6-53B0-79C8-E283-898F0B4699D8}"/>
               </a:ext>
             </a:extLst>
           </p:cNvPr>
@@ -2645,7 +2645,7 @@
           <p:cNvPr id="5" name="日期占位符 4">
             <a:extLst>
               <a:ext uri="{FF2B5EF4-FFF2-40B4-BE49-F238E27FC236}">
-                <a16:creationId xmlns:a16="http://schemas.microsoft.com/office/drawing/2014/main" id="{91572845-A7D8-F50E-3840-EBD16B50F1AC}"/>
+                <a16:creationId xmlns:a16="http://schemas.microsoft.com/office/drawing/2014/main" id="{91C5C741-D883-85A4-CA08-CA78D7F8452D}"/>
               </a:ext>
             </a:extLst>
           </p:cNvPr>
@@ -2661,7 +2661,7 @@
           <a:bodyPr/>
           <a:lstStyle/>
           <a:p>
-            <a:fld id="{94324A0C-B16C-4EE5-AC11-9A1E28C278A9}" type="datetimeFigureOut">
+            <a:fld id="{D5591F83-9369-441C-BEC8-8C116C13A5F0}" type="datetimeFigureOut">
               <a:rPr lang="zh-CN" altLang="en-US" smtClean="0"/>
               <a:t>2024/3/10</a:t>
             </a:fld>
@@ -2674,7 +2674,7 @@
           <p:cNvPr id="6" name="页脚占位符 5">
             <a:extLst>
               <a:ext uri="{FF2B5EF4-FFF2-40B4-BE49-F238E27FC236}">
-                <a16:creationId xmlns:a16="http://schemas.microsoft.com/office/drawing/2014/main" id="{437DF537-4833-5214-0772-21D4E708BC11}"/>
+                <a16:creationId xmlns:a16="http://schemas.microsoft.com/office/drawing/2014/main" id="{10939346-36AB-6B8E-F621-6184D3E9BD9B}"/>
               </a:ext>
             </a:extLst>
           </p:cNvPr>
@@ -2699,7 +2699,7 @@
           <p:cNvPr id="7" name="灯片编号占位符 6">
             <a:extLst>
               <a:ext uri="{FF2B5EF4-FFF2-40B4-BE49-F238E27FC236}">
-                <a16:creationId xmlns:a16="http://schemas.microsoft.com/office/drawing/2014/main" id="{F54C101D-6AD3-CCAE-2DF4-AE402AE8170D}"/>
+                <a16:creationId xmlns:a16="http://schemas.microsoft.com/office/drawing/2014/main" id="{137C59D3-C479-6D65-B175-4C5534A6DB98}"/>
               </a:ext>
             </a:extLst>
           </p:cNvPr>
@@ -2715,7 +2715,7 @@
           <a:bodyPr/>
           <a:lstStyle/>
           <a:p>
-            <a:fld id="{A28A8841-72B2-461E-89B5-8A39AC170400}" type="slidenum">
+            <a:fld id="{B7B3845D-7723-4665-A7A7-9E58665151A9}" type="slidenum">
               <a:rPr lang="zh-CN" altLang="en-US" smtClean="0"/>
               <a:t>‹#›</a:t>
             </a:fld>
@@ -2726,7 +2726,7 @@
     </p:spTree>
     <p:extLst>
       <p:ext uri="{BB962C8B-B14F-4D97-AF65-F5344CB8AC3E}">
-        <p14:creationId xmlns:p14="http://schemas.microsoft.com/office/powerpoint/2010/main" val="2896549650"/>
+        <p14:creationId xmlns:p14="http://schemas.microsoft.com/office/powerpoint/2010/main" val="3686480073"/>
       </p:ext>
     </p:extLst>
   </p:cSld>
@@ -2763,7 +2763,7 @@
           <p:cNvPr id="2" name="标题占位符 1">
             <a:extLst>
               <a:ext uri="{FF2B5EF4-FFF2-40B4-BE49-F238E27FC236}">
-                <a16:creationId xmlns:a16="http://schemas.microsoft.com/office/drawing/2014/main" id="{67238AA2-34C9-A4C9-E2C9-E3005A92566F}"/>
+                <a16:creationId xmlns:a16="http://schemas.microsoft.com/office/drawing/2014/main" id="{5DFA54B5-C66F-3188-11CA-EB559B227460}"/>
               </a:ext>
             </a:extLst>
           </p:cNvPr>
@@ -2801,7 +2801,7 @@
           <p:cNvPr id="3" name="文本占位符 2">
             <a:extLst>
               <a:ext uri="{FF2B5EF4-FFF2-40B4-BE49-F238E27FC236}">
-                <a16:creationId xmlns:a16="http://schemas.microsoft.com/office/drawing/2014/main" id="{7388EDDF-D710-FA7F-545A-D0B80487F365}"/>
+                <a16:creationId xmlns:a16="http://schemas.microsoft.com/office/drawing/2014/main" id="{04E2D12D-A483-E1C0-66EB-2D22D039EB67}"/>
               </a:ext>
             </a:extLst>
           </p:cNvPr>
@@ -2868,7 +2868,7 @@
           <p:cNvPr id="4" name="日期占位符 3">
             <a:extLst>
               <a:ext uri="{FF2B5EF4-FFF2-40B4-BE49-F238E27FC236}">
-                <a16:creationId xmlns:a16="http://schemas.microsoft.com/office/drawing/2014/main" id="{7F316865-2806-9D07-19EB-F84E12C7C6FB}"/>
+                <a16:creationId xmlns:a16="http://schemas.microsoft.com/office/drawing/2014/main" id="{CF9286DF-2957-834C-6667-DAA07AEF7BF1}"/>
               </a:ext>
             </a:extLst>
           </p:cNvPr>
@@ -2902,7 +2902,7 @@
             </a:lvl1pPr>
           </a:lstStyle>
           <a:p>
-            <a:fld id="{94324A0C-B16C-4EE5-AC11-9A1E28C278A9}" type="datetimeFigureOut">
+            <a:fld id="{D5591F83-9369-441C-BEC8-8C116C13A5F0}" type="datetimeFigureOut">
               <a:rPr lang="zh-CN" altLang="en-US" smtClean="0"/>
               <a:t>2024/3/10</a:t>
             </a:fld>
@@ -2915,7 +2915,7 @@
           <p:cNvPr id="5" name="页脚占位符 4">
             <a:extLst>
               <a:ext uri="{FF2B5EF4-FFF2-40B4-BE49-F238E27FC236}">
-                <a16:creationId xmlns:a16="http://schemas.microsoft.com/office/drawing/2014/main" id="{7753BF54-D6EB-8A7A-35E4-6462C84C1095}"/>
+                <a16:creationId xmlns:a16="http://schemas.microsoft.com/office/drawing/2014/main" id="{CB1DE18A-7CCB-F961-E898-9E6119C7F8ED}"/>
               </a:ext>
             </a:extLst>
           </p:cNvPr>
@@ -2958,7 +2958,7 @@
           <p:cNvPr id="6" name="灯片编号占位符 5">
             <a:extLst>
               <a:ext uri="{FF2B5EF4-FFF2-40B4-BE49-F238E27FC236}">
-                <a16:creationId xmlns:a16="http://schemas.microsoft.com/office/drawing/2014/main" id="{62092CCC-C420-805F-CF88-E208DDD45537}"/>
+                <a16:creationId xmlns:a16="http://schemas.microsoft.com/office/drawing/2014/main" id="{59EF5E95-AF69-208A-D3AE-BFB550611C7F}"/>
               </a:ext>
             </a:extLst>
           </p:cNvPr>
@@ -2992,7 +2992,7 @@
             </a:lvl1pPr>
           </a:lstStyle>
           <a:p>
-            <a:fld id="{A28A8841-72B2-461E-89B5-8A39AC170400}" type="slidenum">
+            <a:fld id="{B7B3845D-7723-4665-A7A7-9E58665151A9}" type="slidenum">
               <a:rPr lang="zh-CN" altLang="en-US" smtClean="0"/>
               <a:t>‹#›</a:t>
             </a:fld>
@@ -3003,7 +3003,7 @@
     </p:spTree>
     <p:extLst>
       <p:ext uri="{BB962C8B-B14F-4D97-AF65-F5344CB8AC3E}">
-        <p14:creationId xmlns:p14="http://schemas.microsoft.com/office/powerpoint/2010/main" val="3625283814"/>
+        <p14:creationId xmlns:p14="http://schemas.microsoft.com/office/powerpoint/2010/main" val="3538987348"/>
       </p:ext>
     </p:extLst>
   </p:cSld>
